--- a/Financial_Data_Analysis_Presentation.pptx
+++ b/Financial_Data_Analysis_Presentation.pptx
@@ -5,17 +5,19 @@
     <p:sldMasterId id="2147483648" r:id="rId1"/>
   </p:sldMasterIdLst>
   <p:sldIdLst>
-    <p:sldId id="256" r:id="rId7"/>
-    <p:sldId id="257" r:id="rId8"/>
-    <p:sldId id="258" r:id="rId9"/>
-    <p:sldId id="259" r:id="rId10"/>
-    <p:sldId id="260" r:id="rId11"/>
-    <p:sldId id="261" r:id="rId12"/>
-    <p:sldId id="262" r:id="rId13"/>
-    <p:sldId id="263" r:id="rId14"/>
-    <p:sldId id="264" r:id="rId15"/>
-    <p:sldId id="265" r:id="rId16"/>
-    <p:sldId id="266" r:id="rId17"/>
+    <p:sldId id="256" r:id="rId2"/>
+    <p:sldId id="257" r:id="rId3"/>
+    <p:sldId id="258" r:id="rId4"/>
+    <p:sldId id="259" r:id="rId5"/>
+    <p:sldId id="268" r:id="rId6"/>
+    <p:sldId id="260" r:id="rId7"/>
+    <p:sldId id="261" r:id="rId8"/>
+    <p:sldId id="267" r:id="rId9"/>
+    <p:sldId id="262" r:id="rId10"/>
+    <p:sldId id="263" r:id="rId11"/>
+    <p:sldId id="264" r:id="rId12"/>
+    <p:sldId id="265" r:id="rId13"/>
+    <p:sldId id="266" r:id="rId14"/>
   </p:sldIdLst>
   <p:sldSz cx="9144000" cy="6858000" type="screen4x3"/>
   <p:notesSz cx="6858000" cy="9144000"/>
@@ -114,6 +116,22 @@
       </a:defRPr>
     </a:lvl9pPr>
   </p:defaultTextStyle>
+  <p:extLst>
+    <p:ext uri="{EFAFB233-063F-42B5-8137-9DF3F51BA10A}">
+      <p15:sldGuideLst xmlns:p15="http://schemas.microsoft.com/office/powerpoint/2012/main">
+        <p15:guide id="1" orient="horz" pos="2160">
+          <p15:clr>
+            <a:srgbClr val="A4A3A4"/>
+          </p15:clr>
+        </p15:guide>
+        <p15:guide id="2" pos="2880">
+          <p15:clr>
+            <a:srgbClr val="A4A3A4"/>
+          </p15:clr>
+        </p15:guide>
+      </p15:sldGuideLst>
+    </p:ext>
+  </p:extLst>
 </p:presentation>
 </file>
 
@@ -155,10 +173,9 @@
           <a:lstStyle/>
           <a:p>
             <a:r>
-              <a:rPr lang="en-US" smtClean="0"/>
+              <a:rPr lang="en-US"/>
               <a:t>Click to edit Master title style</a:t>
             </a:r>
-            <a:endParaRPr lang="en-US"/>
           </a:p>
         </p:txBody>
       </p:sp>
@@ -274,10 +291,9 @@
           </a:lstStyle>
           <a:p>
             <a:r>
-              <a:rPr lang="en-US" smtClean="0"/>
+              <a:rPr lang="en-US"/>
               <a:t>Click to edit Master subtitle style</a:t>
             </a:r>
-            <a:endParaRPr lang="en-US"/>
           </a:p>
         </p:txBody>
       </p:sp>
@@ -298,7 +314,7 @@
           <a:p>
             <a:fld id="{5BCAD085-E8A6-8845-BD4E-CB4CCA059FC4}" type="datetimeFigureOut">
               <a:rPr lang="en-US" smtClean="0"/>
-              <a:t>1/27/13</a:t>
+              <a:t>10/31/2024</a:t>
             </a:fld>
             <a:endParaRPr lang="en-US"/>
           </a:p>
@@ -392,10 +408,9 @@
           <a:lstStyle/>
           <a:p>
             <a:r>
-              <a:rPr lang="en-US" smtClean="0"/>
+              <a:rPr lang="en-US"/>
               <a:t>Click to edit Master title style</a:t>
             </a:r>
-            <a:endParaRPr lang="en-US"/>
           </a:p>
         </p:txBody>
       </p:sp>
@@ -416,38 +431,37 @@
           <a:p>
             <a:pPr lvl="0"/>
             <a:r>
-              <a:rPr lang="en-US" smtClean="0"/>
+              <a:rPr lang="en-US"/>
               <a:t>Click to edit Master text styles</a:t>
             </a:r>
           </a:p>
           <a:p>
             <a:pPr lvl="1"/>
             <a:r>
-              <a:rPr lang="en-US" smtClean="0"/>
+              <a:rPr lang="en-US"/>
               <a:t>Second level</a:t>
             </a:r>
           </a:p>
           <a:p>
             <a:pPr lvl="2"/>
             <a:r>
-              <a:rPr lang="en-US" smtClean="0"/>
+              <a:rPr lang="en-US"/>
               <a:t>Third level</a:t>
             </a:r>
           </a:p>
           <a:p>
             <a:pPr lvl="3"/>
             <a:r>
-              <a:rPr lang="en-US" smtClean="0"/>
+              <a:rPr lang="en-US"/>
               <a:t>Fourth level</a:t>
             </a:r>
           </a:p>
           <a:p>
             <a:pPr lvl="4"/>
             <a:r>
-              <a:rPr lang="en-US" smtClean="0"/>
+              <a:rPr lang="en-US"/>
               <a:t>Fifth level</a:t>
             </a:r>
-            <a:endParaRPr lang="en-US"/>
           </a:p>
         </p:txBody>
       </p:sp>
@@ -468,7 +482,7 @@
           <a:p>
             <a:fld id="{5BCAD085-E8A6-8845-BD4E-CB4CCA059FC4}" type="datetimeFigureOut">
               <a:rPr lang="en-US" smtClean="0"/>
-              <a:t>1/27/13</a:t>
+              <a:t>10/31/2024</a:t>
             </a:fld>
             <a:endParaRPr lang="en-US"/>
           </a:p>
@@ -567,10 +581,9 @@
           <a:lstStyle/>
           <a:p>
             <a:r>
-              <a:rPr lang="en-US" smtClean="0"/>
+              <a:rPr lang="en-US"/>
               <a:t>Click to edit Master title style</a:t>
             </a:r>
-            <a:endParaRPr lang="en-US"/>
           </a:p>
         </p:txBody>
       </p:sp>
@@ -596,38 +609,37 @@
           <a:p>
             <a:pPr lvl="0"/>
             <a:r>
-              <a:rPr lang="en-US" smtClean="0"/>
+              <a:rPr lang="en-US"/>
               <a:t>Click to edit Master text styles</a:t>
             </a:r>
           </a:p>
           <a:p>
             <a:pPr lvl="1"/>
             <a:r>
-              <a:rPr lang="en-US" smtClean="0"/>
+              <a:rPr lang="en-US"/>
               <a:t>Second level</a:t>
             </a:r>
           </a:p>
           <a:p>
             <a:pPr lvl="2"/>
             <a:r>
-              <a:rPr lang="en-US" smtClean="0"/>
+              <a:rPr lang="en-US"/>
               <a:t>Third level</a:t>
             </a:r>
           </a:p>
           <a:p>
             <a:pPr lvl="3"/>
             <a:r>
-              <a:rPr lang="en-US" smtClean="0"/>
+              <a:rPr lang="en-US"/>
               <a:t>Fourth level</a:t>
             </a:r>
           </a:p>
           <a:p>
             <a:pPr lvl="4"/>
             <a:r>
-              <a:rPr lang="en-US" smtClean="0"/>
+              <a:rPr lang="en-US"/>
               <a:t>Fifth level</a:t>
             </a:r>
-            <a:endParaRPr lang="en-US"/>
           </a:p>
         </p:txBody>
       </p:sp>
@@ -648,7 +660,7 @@
           <a:p>
             <a:fld id="{5BCAD085-E8A6-8845-BD4E-CB4CCA059FC4}" type="datetimeFigureOut">
               <a:rPr lang="en-US" smtClean="0"/>
-              <a:t>1/27/13</a:t>
+              <a:t>10/31/2024</a:t>
             </a:fld>
             <a:endParaRPr lang="en-US"/>
           </a:p>
@@ -742,10 +754,9 @@
           <a:lstStyle/>
           <a:p>
             <a:r>
-              <a:rPr lang="en-US" smtClean="0"/>
+              <a:rPr lang="en-US"/>
               <a:t>Click to edit Master title style</a:t>
             </a:r>
-            <a:endParaRPr lang="en-US"/>
           </a:p>
         </p:txBody>
       </p:sp>
@@ -766,38 +777,37 @@
           <a:p>
             <a:pPr lvl="0"/>
             <a:r>
-              <a:rPr lang="en-US" smtClean="0"/>
+              <a:rPr lang="en-US"/>
               <a:t>Click to edit Master text styles</a:t>
             </a:r>
           </a:p>
           <a:p>
             <a:pPr lvl="1"/>
             <a:r>
-              <a:rPr lang="en-US" smtClean="0"/>
+              <a:rPr lang="en-US"/>
               <a:t>Second level</a:t>
             </a:r>
           </a:p>
           <a:p>
             <a:pPr lvl="2"/>
             <a:r>
-              <a:rPr lang="en-US" smtClean="0"/>
+              <a:rPr lang="en-US"/>
               <a:t>Third level</a:t>
             </a:r>
           </a:p>
           <a:p>
             <a:pPr lvl="3"/>
             <a:r>
-              <a:rPr lang="en-US" smtClean="0"/>
+              <a:rPr lang="en-US"/>
               <a:t>Fourth level</a:t>
             </a:r>
           </a:p>
           <a:p>
             <a:pPr lvl="4"/>
             <a:r>
-              <a:rPr lang="en-US" smtClean="0"/>
+              <a:rPr lang="en-US"/>
               <a:t>Fifth level</a:t>
             </a:r>
-            <a:endParaRPr lang="en-US"/>
           </a:p>
         </p:txBody>
       </p:sp>
@@ -818,7 +828,7 @@
           <a:p>
             <a:fld id="{5BCAD085-E8A6-8845-BD4E-CB4CCA059FC4}" type="datetimeFigureOut">
               <a:rPr lang="en-US" smtClean="0"/>
-              <a:t>1/27/13</a:t>
+              <a:t>10/31/2024</a:t>
             </a:fld>
             <a:endParaRPr lang="en-US"/>
           </a:p>
@@ -921,10 +931,9 @@
           </a:lstStyle>
           <a:p>
             <a:r>
-              <a:rPr lang="en-US" smtClean="0"/>
+              <a:rPr lang="en-US"/>
               <a:t>Click to edit Master title style</a:t>
             </a:r>
-            <a:endParaRPr lang="en-US"/>
           </a:p>
         </p:txBody>
       </p:sp>
@@ -1041,7 +1050,7 @@
           <a:p>
             <a:pPr lvl="0"/>
             <a:r>
-              <a:rPr lang="en-US" smtClean="0"/>
+              <a:rPr lang="en-US"/>
               <a:t>Click to edit Master text styles</a:t>
             </a:r>
           </a:p>
@@ -1064,7 +1073,7 @@
           <a:p>
             <a:fld id="{5BCAD085-E8A6-8845-BD4E-CB4CCA059FC4}" type="datetimeFigureOut">
               <a:rPr lang="en-US" smtClean="0"/>
-              <a:t>1/27/13</a:t>
+              <a:t>10/31/2024</a:t>
             </a:fld>
             <a:endParaRPr lang="en-US"/>
           </a:p>
@@ -1158,10 +1167,9 @@
           <a:lstStyle/>
           <a:p>
             <a:r>
-              <a:rPr lang="en-US" smtClean="0"/>
+              <a:rPr lang="en-US"/>
               <a:t>Click to edit Master title style</a:t>
             </a:r>
-            <a:endParaRPr lang="en-US"/>
           </a:p>
         </p:txBody>
       </p:sp>
@@ -1215,38 +1223,37 @@
           <a:p>
             <a:pPr lvl="0"/>
             <a:r>
-              <a:rPr lang="en-US" smtClean="0"/>
+              <a:rPr lang="en-US"/>
               <a:t>Click to edit Master text styles</a:t>
             </a:r>
           </a:p>
           <a:p>
             <a:pPr lvl="1"/>
             <a:r>
-              <a:rPr lang="en-US" smtClean="0"/>
+              <a:rPr lang="en-US"/>
               <a:t>Second level</a:t>
             </a:r>
           </a:p>
           <a:p>
             <a:pPr lvl="2"/>
             <a:r>
-              <a:rPr lang="en-US" smtClean="0"/>
+              <a:rPr lang="en-US"/>
               <a:t>Third level</a:t>
             </a:r>
           </a:p>
           <a:p>
             <a:pPr lvl="3"/>
             <a:r>
-              <a:rPr lang="en-US" smtClean="0"/>
+              <a:rPr lang="en-US"/>
               <a:t>Fourth level</a:t>
             </a:r>
           </a:p>
           <a:p>
             <a:pPr lvl="4"/>
             <a:r>
-              <a:rPr lang="en-US" smtClean="0"/>
+              <a:rPr lang="en-US"/>
               <a:t>Fifth level</a:t>
             </a:r>
-            <a:endParaRPr lang="en-US"/>
           </a:p>
         </p:txBody>
       </p:sp>
@@ -1300,38 +1307,37 @@
           <a:p>
             <a:pPr lvl="0"/>
             <a:r>
-              <a:rPr lang="en-US" smtClean="0"/>
+              <a:rPr lang="en-US"/>
               <a:t>Click to edit Master text styles</a:t>
             </a:r>
           </a:p>
           <a:p>
             <a:pPr lvl="1"/>
             <a:r>
-              <a:rPr lang="en-US" smtClean="0"/>
+              <a:rPr lang="en-US"/>
               <a:t>Second level</a:t>
             </a:r>
           </a:p>
           <a:p>
             <a:pPr lvl="2"/>
             <a:r>
-              <a:rPr lang="en-US" smtClean="0"/>
+              <a:rPr lang="en-US"/>
               <a:t>Third level</a:t>
             </a:r>
           </a:p>
           <a:p>
             <a:pPr lvl="3"/>
             <a:r>
-              <a:rPr lang="en-US" smtClean="0"/>
+              <a:rPr lang="en-US"/>
               <a:t>Fourth level</a:t>
             </a:r>
           </a:p>
           <a:p>
             <a:pPr lvl="4"/>
             <a:r>
-              <a:rPr lang="en-US" smtClean="0"/>
+              <a:rPr lang="en-US"/>
               <a:t>Fifth level</a:t>
             </a:r>
-            <a:endParaRPr lang="en-US"/>
           </a:p>
         </p:txBody>
       </p:sp>
@@ -1352,7 +1358,7 @@
           <a:p>
             <a:fld id="{5BCAD085-E8A6-8845-BD4E-CB4CCA059FC4}" type="datetimeFigureOut">
               <a:rPr lang="en-US" smtClean="0"/>
-              <a:t>1/27/13</a:t>
+              <a:t>10/31/2024</a:t>
             </a:fld>
             <a:endParaRPr lang="en-US"/>
           </a:p>
@@ -1450,10 +1456,9 @@
           </a:lstStyle>
           <a:p>
             <a:r>
-              <a:rPr lang="en-US" smtClean="0"/>
+              <a:rPr lang="en-US"/>
               <a:t>Click to edit Master title style</a:t>
             </a:r>
-            <a:endParaRPr lang="en-US"/>
           </a:p>
         </p:txBody>
       </p:sp>
@@ -1516,7 +1521,7 @@
           <a:p>
             <a:pPr lvl="0"/>
             <a:r>
-              <a:rPr lang="en-US" smtClean="0"/>
+              <a:rPr lang="en-US"/>
               <a:t>Click to edit Master text styles</a:t>
             </a:r>
           </a:p>
@@ -1572,38 +1577,37 @@
           <a:p>
             <a:pPr lvl="0"/>
             <a:r>
-              <a:rPr lang="en-US" smtClean="0"/>
+              <a:rPr lang="en-US"/>
               <a:t>Click to edit Master text styles</a:t>
             </a:r>
           </a:p>
           <a:p>
             <a:pPr lvl="1"/>
             <a:r>
-              <a:rPr lang="en-US" smtClean="0"/>
+              <a:rPr lang="en-US"/>
               <a:t>Second level</a:t>
             </a:r>
           </a:p>
           <a:p>
             <a:pPr lvl="2"/>
             <a:r>
-              <a:rPr lang="en-US" smtClean="0"/>
+              <a:rPr lang="en-US"/>
               <a:t>Third level</a:t>
             </a:r>
           </a:p>
           <a:p>
             <a:pPr lvl="3"/>
             <a:r>
-              <a:rPr lang="en-US" smtClean="0"/>
+              <a:rPr lang="en-US"/>
               <a:t>Fourth level</a:t>
             </a:r>
           </a:p>
           <a:p>
             <a:pPr lvl="4"/>
             <a:r>
-              <a:rPr lang="en-US" smtClean="0"/>
+              <a:rPr lang="en-US"/>
               <a:t>Fifth level</a:t>
             </a:r>
-            <a:endParaRPr lang="en-US"/>
           </a:p>
         </p:txBody>
       </p:sp>
@@ -1666,7 +1670,7 @@
           <a:p>
             <a:pPr lvl="0"/>
             <a:r>
-              <a:rPr lang="en-US" smtClean="0"/>
+              <a:rPr lang="en-US"/>
               <a:t>Click to edit Master text styles</a:t>
             </a:r>
           </a:p>
@@ -1722,38 +1726,37 @@
           <a:p>
             <a:pPr lvl="0"/>
             <a:r>
-              <a:rPr lang="en-US" smtClean="0"/>
+              <a:rPr lang="en-US"/>
               <a:t>Click to edit Master text styles</a:t>
             </a:r>
           </a:p>
           <a:p>
             <a:pPr lvl="1"/>
             <a:r>
-              <a:rPr lang="en-US" smtClean="0"/>
+              <a:rPr lang="en-US"/>
               <a:t>Second level</a:t>
             </a:r>
           </a:p>
           <a:p>
             <a:pPr lvl="2"/>
             <a:r>
-              <a:rPr lang="en-US" smtClean="0"/>
+              <a:rPr lang="en-US"/>
               <a:t>Third level</a:t>
             </a:r>
           </a:p>
           <a:p>
             <a:pPr lvl="3"/>
             <a:r>
-              <a:rPr lang="en-US" smtClean="0"/>
+              <a:rPr lang="en-US"/>
               <a:t>Fourth level</a:t>
             </a:r>
           </a:p>
           <a:p>
             <a:pPr lvl="4"/>
             <a:r>
-              <a:rPr lang="en-US" smtClean="0"/>
+              <a:rPr lang="en-US"/>
               <a:t>Fifth level</a:t>
             </a:r>
-            <a:endParaRPr lang="en-US"/>
           </a:p>
         </p:txBody>
       </p:sp>
@@ -1774,7 +1777,7 @@
           <a:p>
             <a:fld id="{5BCAD085-E8A6-8845-BD4E-CB4CCA059FC4}" type="datetimeFigureOut">
               <a:rPr lang="en-US" smtClean="0"/>
-              <a:t>1/27/13</a:t>
+              <a:t>10/31/2024</a:t>
             </a:fld>
             <a:endParaRPr lang="en-US"/>
           </a:p>
@@ -1868,10 +1871,9 @@
           <a:lstStyle/>
           <a:p>
             <a:r>
-              <a:rPr lang="en-US" smtClean="0"/>
+              <a:rPr lang="en-US"/>
               <a:t>Click to edit Master title style</a:t>
             </a:r>
-            <a:endParaRPr lang="en-US"/>
           </a:p>
         </p:txBody>
       </p:sp>
@@ -1892,7 +1894,7 @@
           <a:p>
             <a:fld id="{5BCAD085-E8A6-8845-BD4E-CB4CCA059FC4}" type="datetimeFigureOut">
               <a:rPr lang="en-US" smtClean="0"/>
-              <a:t>1/27/13</a:t>
+              <a:t>10/31/2024</a:t>
             </a:fld>
             <a:endParaRPr lang="en-US"/>
           </a:p>
@@ -1987,7 +1989,7 @@
           <a:p>
             <a:fld id="{5BCAD085-E8A6-8845-BD4E-CB4CCA059FC4}" type="datetimeFigureOut">
               <a:rPr lang="en-US" smtClean="0"/>
-              <a:t>1/27/13</a:t>
+              <a:t>10/31/2024</a:t>
             </a:fld>
             <a:endParaRPr lang="en-US"/>
           </a:p>
@@ -2090,10 +2092,9 @@
           </a:lstStyle>
           <a:p>
             <a:r>
-              <a:rPr lang="en-US" smtClean="0"/>
+              <a:rPr lang="en-US"/>
               <a:t>Click to edit Master title style</a:t>
             </a:r>
-            <a:endParaRPr lang="en-US"/>
           </a:p>
         </p:txBody>
       </p:sp>
@@ -2147,38 +2148,37 @@
           <a:p>
             <a:pPr lvl="0"/>
             <a:r>
-              <a:rPr lang="en-US" smtClean="0"/>
+              <a:rPr lang="en-US"/>
               <a:t>Click to edit Master text styles</a:t>
             </a:r>
           </a:p>
           <a:p>
             <a:pPr lvl="1"/>
             <a:r>
-              <a:rPr lang="en-US" smtClean="0"/>
+              <a:rPr lang="en-US"/>
               <a:t>Second level</a:t>
             </a:r>
           </a:p>
           <a:p>
             <a:pPr lvl="2"/>
             <a:r>
-              <a:rPr lang="en-US" smtClean="0"/>
+              <a:rPr lang="en-US"/>
               <a:t>Third level</a:t>
             </a:r>
           </a:p>
           <a:p>
             <a:pPr lvl="3"/>
             <a:r>
-              <a:rPr lang="en-US" smtClean="0"/>
+              <a:rPr lang="en-US"/>
               <a:t>Fourth level</a:t>
             </a:r>
           </a:p>
           <a:p>
             <a:pPr lvl="4"/>
             <a:r>
-              <a:rPr lang="en-US" smtClean="0"/>
+              <a:rPr lang="en-US"/>
               <a:t>Fifth level</a:t>
             </a:r>
-            <a:endParaRPr lang="en-US"/>
           </a:p>
         </p:txBody>
       </p:sp>
@@ -2241,7 +2241,7 @@
           <a:p>
             <a:pPr lvl="0"/>
             <a:r>
-              <a:rPr lang="en-US" smtClean="0"/>
+              <a:rPr lang="en-US"/>
               <a:t>Click to edit Master text styles</a:t>
             </a:r>
           </a:p>
@@ -2264,7 +2264,7 @@
           <a:p>
             <a:fld id="{5BCAD085-E8A6-8845-BD4E-CB4CCA059FC4}" type="datetimeFigureOut">
               <a:rPr lang="en-US" smtClean="0"/>
-              <a:t>1/27/13</a:t>
+              <a:t>10/31/2024</a:t>
             </a:fld>
             <a:endParaRPr lang="en-US"/>
           </a:p>
@@ -2367,10 +2367,9 @@
           </a:lstStyle>
           <a:p>
             <a:r>
-              <a:rPr lang="en-US" smtClean="0"/>
+              <a:rPr lang="en-US"/>
               <a:t>Click to edit Master title style</a:t>
             </a:r>
-            <a:endParaRPr lang="en-US"/>
           </a:p>
         </p:txBody>
       </p:sp>
@@ -2494,7 +2493,7 @@
           <a:p>
             <a:pPr lvl="0"/>
             <a:r>
-              <a:rPr lang="en-US" smtClean="0"/>
+              <a:rPr lang="en-US"/>
               <a:t>Click to edit Master text styles</a:t>
             </a:r>
           </a:p>
@@ -2517,7 +2516,7 @@
           <a:p>
             <a:fld id="{5BCAD085-E8A6-8845-BD4E-CB4CCA059FC4}" type="datetimeFigureOut">
               <a:rPr lang="en-US" smtClean="0"/>
-              <a:t>1/27/13</a:t>
+              <a:t>10/31/2024</a:t>
             </a:fld>
             <a:endParaRPr lang="en-US"/>
           </a:p>
@@ -2626,10 +2625,9 @@
           <a:lstStyle/>
           <a:p>
             <a:r>
-              <a:rPr lang="en-US" smtClean="0"/>
+              <a:rPr lang="en-US"/>
               <a:t>Click to edit Master title style</a:t>
             </a:r>
-            <a:endParaRPr lang="en-US"/>
           </a:p>
         </p:txBody>
       </p:sp>
@@ -2660,38 +2658,37 @@
           <a:p>
             <a:pPr lvl="0"/>
             <a:r>
-              <a:rPr lang="en-US" smtClean="0"/>
+              <a:rPr lang="en-US"/>
               <a:t>Click to edit Master text styles</a:t>
             </a:r>
           </a:p>
           <a:p>
             <a:pPr lvl="1"/>
             <a:r>
-              <a:rPr lang="en-US" smtClean="0"/>
+              <a:rPr lang="en-US"/>
               <a:t>Second level</a:t>
             </a:r>
           </a:p>
           <a:p>
             <a:pPr lvl="2"/>
             <a:r>
-              <a:rPr lang="en-US" smtClean="0"/>
+              <a:rPr lang="en-US"/>
               <a:t>Third level</a:t>
             </a:r>
           </a:p>
           <a:p>
             <a:pPr lvl="3"/>
             <a:r>
-              <a:rPr lang="en-US" smtClean="0"/>
+              <a:rPr lang="en-US"/>
               <a:t>Fourth level</a:t>
             </a:r>
           </a:p>
           <a:p>
             <a:pPr lvl="4"/>
             <a:r>
-              <a:rPr lang="en-US" smtClean="0"/>
+              <a:rPr lang="en-US"/>
               <a:t>Fifth level</a:t>
             </a:r>
-            <a:endParaRPr lang="en-US"/>
           </a:p>
         </p:txBody>
       </p:sp>
@@ -2730,7 +2727,7 @@
           <a:p>
             <a:fld id="{5BCAD085-E8A6-8845-BD4E-CB4CCA059FC4}" type="datetimeFigureOut">
               <a:rPr lang="en-US" smtClean="0"/>
-              <a:t>1/27/13</a:t>
+              <a:t>10/31/2024</a:t>
             </a:fld>
             <a:endParaRPr lang="en-US"/>
           </a:p>
@@ -3089,7 +3086,7 @@
 </file>
 
 <file path=ppt/slides/slide1.xml><?xml version="1.0" encoding="utf-8"?>
-<p:sld xmlns:a="http://schemas.openxmlformats.org/drawingml/2006/main" xmlns:p="http://schemas.openxmlformats.org/presentationml/2006/main" xmlns:r="http://schemas.openxmlformats.org/officeDocument/2006/relationships">
+<p:sld xmlns:a="http://schemas.openxmlformats.org/drawingml/2006/main" xmlns:r="http://schemas.openxmlformats.org/officeDocument/2006/relationships" xmlns:p="http://schemas.openxmlformats.org/presentationml/2006/main">
   <p:cSld>
     <p:spTree>
       <p:nvGrpSpPr>
@@ -3097,7 +3094,14 @@
         <p:cNvGrpSpPr/>
         <p:nvPr/>
       </p:nvGrpSpPr>
-      <p:grpSpPr/>
+      <p:grpSpPr>
+        <a:xfrm>
+          <a:off x="0" y="0"/>
+          <a:ext cx="0" cy="0"/>
+          <a:chOff x="0" y="0"/>
+          <a:chExt cx="0" cy="0"/>
+        </a:xfrm>
+      </p:grpSpPr>
       <p:sp>
         <p:nvSpPr>
           <p:cNvPr id="2" name="Title 1"/>
@@ -3117,6 +3121,7 @@
               <a:defRPr sz="3600"/>
             </a:pPr>
             <a:r>
+              <a:rPr dirty="0"/>
               <a:t>Project Overview: Financial Data Analysis using Machine Learning</a:t>
             </a:r>
           </a:p>
@@ -3138,6 +3143,7 @@
           <a:lstStyle/>
           <a:p>
             <a:r>
+              <a:rPr dirty="0"/>
               <a:t>Analyzing stock data with technical indicators and neural networks</a:t>
             </a:r>
           </a:p>
@@ -3152,7 +3158,7 @@
 </file>
 
 <file path=ppt/slides/slide10.xml><?xml version="1.0" encoding="utf-8"?>
-<p:sld xmlns:a="http://schemas.openxmlformats.org/drawingml/2006/main" xmlns:p="http://schemas.openxmlformats.org/presentationml/2006/main" xmlns:r="http://schemas.openxmlformats.org/officeDocument/2006/relationships">
+<p:sld xmlns:a="http://schemas.openxmlformats.org/drawingml/2006/main" xmlns:r="http://schemas.openxmlformats.org/officeDocument/2006/relationships" xmlns:p="http://schemas.openxmlformats.org/presentationml/2006/main">
   <p:cSld>
     <p:spTree>
       <p:nvGrpSpPr>
@@ -3160,7 +3166,14 @@
         <p:cNvGrpSpPr/>
         <p:nvPr/>
       </p:nvGrpSpPr>
-      <p:grpSpPr/>
+      <p:grpSpPr>
+        <a:xfrm>
+          <a:off x="0" y="0"/>
+          <a:ext cx="0" cy="0"/>
+          <a:chOff x="0" y="0"/>
+          <a:chExt cx="0" cy="0"/>
+        </a:xfrm>
+      </p:grpSpPr>
       <p:sp>
         <p:nvSpPr>
           <p:cNvPr id="2" name="Title 1"/>
@@ -3177,7 +3190,7 @@
           <a:lstStyle/>
           <a:p>
             <a:r>
-              <a:t>Conclusion</a:t>
+              <a:t>Training and Evaluation (PyTorch)</a:t>
             </a:r>
           </a:p>
         </p:txBody>
@@ -3198,27 +3211,20 @@
           <a:lstStyle/>
           <a:p>
             <a:r>
-              <a:t>Summary:</a:t>
-            </a:r>
-          </a:p>
-          <a:p>
-            <a:r>
-              <a:t>  - Successfully implemented technical indicators and neural networks for trend analysis</a:t>
-            </a:r>
-          </a:p>
-          <a:p>
-            <a:r>
-              <a:t>  - Keras and PyTorch models achieved similar accuracy</a:t>
-            </a:r>
-          </a:p>
-          <a:p>
-            <a:r>
-              <a:t>Future Work:</a:t>
-            </a:r>
-          </a:p>
-          <a:p>
-            <a:r>
-              <a:t>  - Experiment with model parameters and advanced neural networks</a:t>
+              <a:rPr dirty="0"/>
+              <a:t>Training Process:</a:t>
+            </a:r>
+          </a:p>
+          <a:p>
+            <a:r>
+              <a:rPr dirty="0"/>
+              <a:t>  - 50 epochs with batch training</a:t>
+            </a:r>
+          </a:p>
+          <a:p>
+            <a:r>
+              <a:rPr dirty="0"/>
+              <a:t>  - Loss calculation over each epoch</a:t>
             </a:r>
           </a:p>
         </p:txBody>
@@ -3232,7 +3238,7 @@
 </file>
 
 <file path=ppt/slides/slide11.xml><?xml version="1.0" encoding="utf-8"?>
-<p:sld xmlns:a="http://schemas.openxmlformats.org/drawingml/2006/main" xmlns:p="http://schemas.openxmlformats.org/presentationml/2006/main" xmlns:r="http://schemas.openxmlformats.org/officeDocument/2006/relationships">
+<p:sld xmlns:a="http://schemas.openxmlformats.org/drawingml/2006/main" xmlns:r="http://schemas.openxmlformats.org/officeDocument/2006/relationships" xmlns:p="http://schemas.openxmlformats.org/presentationml/2006/main">
   <p:cSld>
     <p:spTree>
       <p:nvGrpSpPr>
@@ -3240,7 +3246,263 @@
         <p:cNvGrpSpPr/>
         <p:nvPr/>
       </p:nvGrpSpPr>
-      <p:grpSpPr/>
+      <p:grpSpPr>
+        <a:xfrm>
+          <a:off x="0" y="0"/>
+          <a:ext cx="0" cy="0"/>
+          <a:chOff x="0" y="0"/>
+          <a:chExt cx="0" cy="0"/>
+        </a:xfrm>
+      </p:grpSpPr>
+      <p:sp>
+        <p:nvSpPr>
+          <p:cNvPr id="2" name="Title 1"/>
+          <p:cNvSpPr>
+            <a:spLocks noGrp="1"/>
+          </p:cNvSpPr>
+          <p:nvPr>
+            <p:ph type="title"/>
+          </p:nvPr>
+        </p:nvSpPr>
+        <p:spPr/>
+        <p:txBody>
+          <a:bodyPr/>
+          <a:lstStyle/>
+          <a:p>
+            <a:r>
+              <a:t>Results and Comparison</a:t>
+            </a:r>
+          </a:p>
+        </p:txBody>
+      </p:sp>
+      <p:sp>
+        <p:nvSpPr>
+          <p:cNvPr id="3" name="Content Placeholder 2"/>
+          <p:cNvSpPr>
+            <a:spLocks noGrp="1"/>
+          </p:cNvSpPr>
+          <p:nvPr>
+            <p:ph idx="1"/>
+          </p:nvPr>
+        </p:nvSpPr>
+        <p:spPr/>
+        <p:txBody>
+          <a:bodyPr>
+            <a:normAutofit/>
+          </a:bodyPr>
+          <a:lstStyle/>
+          <a:p>
+            <a:r>
+              <a:rPr dirty="0"/>
+              <a:t>Comparison of Model Performance:</a:t>
+            </a:r>
+          </a:p>
+          <a:p>
+            <a:r>
+              <a:rPr dirty="0"/>
+              <a:t>  - </a:t>
+            </a:r>
+            <a:r>
+              <a:rPr dirty="0" err="1"/>
+              <a:t>Keras</a:t>
+            </a:r>
+            <a:r>
+              <a:rPr dirty="0"/>
+              <a:t> Model Accuracy: ~8</a:t>
+            </a:r>
+            <a:r>
+              <a:rPr lang="en-US" dirty="0"/>
+              <a:t>2</a:t>
+            </a:r>
+            <a:r>
+              <a:rPr dirty="0"/>
+              <a:t>%</a:t>
+            </a:r>
+            <a:r>
+              <a:rPr lang="en-US" dirty="0"/>
+              <a:t> for Adobe and apple </a:t>
+            </a:r>
+          </a:p>
+          <a:p>
+            <a:r>
+              <a:rPr lang="en-US" dirty="0" err="1"/>
+              <a:t>Keras</a:t>
+            </a:r>
+            <a:r>
+              <a:rPr lang="en-US" dirty="0"/>
+              <a:t> Model Accuracy: ~83% for </a:t>
+            </a:r>
+            <a:r>
+              <a:rPr lang="en-US" dirty="0" err="1"/>
+              <a:t>Abbvie</a:t>
+            </a:r>
+            <a:r>
+              <a:rPr lang="en-US" dirty="0"/>
+              <a:t> Inc</a:t>
+            </a:r>
+            <a:endParaRPr dirty="0"/>
+          </a:p>
+          <a:p>
+            <a:r>
+              <a:rPr dirty="0"/>
+              <a:t>  - </a:t>
+            </a:r>
+            <a:r>
+              <a:rPr dirty="0" err="1"/>
+              <a:t>PyTorch</a:t>
+            </a:r>
+            <a:r>
+              <a:rPr dirty="0"/>
+              <a:t> Model Accuracy: ~82%</a:t>
+            </a:r>
+          </a:p>
+          <a:p>
+            <a:r>
+              <a:rPr dirty="0"/>
+              <a:t>Observations:</a:t>
+            </a:r>
+          </a:p>
+          <a:p>
+            <a:r>
+              <a:rPr dirty="0"/>
+              <a:t>  - Both models performed comparably; additional tuning may improve results.</a:t>
+            </a:r>
+          </a:p>
+        </p:txBody>
+      </p:sp>
+    </p:spTree>
+  </p:cSld>
+  <p:clrMapOvr>
+    <a:masterClrMapping/>
+  </p:clrMapOvr>
+</p:sld>
+</file>
+
+<file path=ppt/slides/slide12.xml><?xml version="1.0" encoding="utf-8"?>
+<p:sld xmlns:a="http://schemas.openxmlformats.org/drawingml/2006/main" xmlns:r="http://schemas.openxmlformats.org/officeDocument/2006/relationships" xmlns:p="http://schemas.openxmlformats.org/presentationml/2006/main">
+  <p:cSld>
+    <p:spTree>
+      <p:nvGrpSpPr>
+        <p:cNvPr id="1" name=""/>
+        <p:cNvGrpSpPr/>
+        <p:nvPr/>
+      </p:nvGrpSpPr>
+      <p:grpSpPr>
+        <a:xfrm>
+          <a:off x="0" y="0"/>
+          <a:ext cx="0" cy="0"/>
+          <a:chOff x="0" y="0"/>
+          <a:chExt cx="0" cy="0"/>
+        </a:xfrm>
+      </p:grpSpPr>
+      <p:sp>
+        <p:nvSpPr>
+          <p:cNvPr id="2" name="Title 1"/>
+          <p:cNvSpPr>
+            <a:spLocks noGrp="1"/>
+          </p:cNvSpPr>
+          <p:nvPr>
+            <p:ph type="title"/>
+          </p:nvPr>
+        </p:nvSpPr>
+        <p:spPr/>
+        <p:txBody>
+          <a:bodyPr/>
+          <a:lstStyle/>
+          <a:p>
+            <a:r>
+              <a:t>Conclusion</a:t>
+            </a:r>
+          </a:p>
+        </p:txBody>
+      </p:sp>
+      <p:sp>
+        <p:nvSpPr>
+          <p:cNvPr id="3" name="Content Placeholder 2"/>
+          <p:cNvSpPr>
+            <a:spLocks noGrp="1"/>
+          </p:cNvSpPr>
+          <p:nvPr>
+            <p:ph idx="1"/>
+          </p:nvPr>
+        </p:nvSpPr>
+        <p:spPr/>
+        <p:txBody>
+          <a:bodyPr/>
+          <a:lstStyle/>
+          <a:p>
+            <a:r>
+              <a:rPr dirty="0"/>
+              <a:t>Summary:</a:t>
+            </a:r>
+          </a:p>
+          <a:p>
+            <a:r>
+              <a:rPr dirty="0"/>
+              <a:t>  - Successfully implemented technical indicators and neural networks for trend analysis</a:t>
+            </a:r>
+          </a:p>
+          <a:p>
+            <a:r>
+              <a:rPr dirty="0"/>
+              <a:t>  - </a:t>
+            </a:r>
+            <a:r>
+              <a:rPr dirty="0" err="1"/>
+              <a:t>Keras</a:t>
+            </a:r>
+            <a:r>
+              <a:rPr dirty="0"/>
+              <a:t> and </a:t>
+            </a:r>
+            <a:r>
+              <a:rPr dirty="0" err="1"/>
+              <a:t>PyTorch</a:t>
+            </a:r>
+            <a:r>
+              <a:rPr dirty="0"/>
+              <a:t> models achieved similar accuracy</a:t>
+            </a:r>
+          </a:p>
+          <a:p>
+            <a:r>
+              <a:rPr dirty="0"/>
+              <a:t>Future Work:</a:t>
+            </a:r>
+          </a:p>
+          <a:p>
+            <a:r>
+              <a:rPr dirty="0"/>
+              <a:t>  - Experiment with model parameters and advanced neural networks</a:t>
+            </a:r>
+          </a:p>
+        </p:txBody>
+      </p:sp>
+    </p:spTree>
+  </p:cSld>
+  <p:clrMapOvr>
+    <a:masterClrMapping/>
+  </p:clrMapOvr>
+</p:sld>
+</file>
+
+<file path=ppt/slides/slide13.xml><?xml version="1.0" encoding="utf-8"?>
+<p:sld xmlns:a="http://schemas.openxmlformats.org/drawingml/2006/main" xmlns:r="http://schemas.openxmlformats.org/officeDocument/2006/relationships" xmlns:p="http://schemas.openxmlformats.org/presentationml/2006/main">
+  <p:cSld>
+    <p:spTree>
+      <p:nvGrpSpPr>
+        <p:cNvPr id="1" name=""/>
+        <p:cNvGrpSpPr/>
+        <p:nvPr/>
+      </p:nvGrpSpPr>
+      <p:grpSpPr>
+        <a:xfrm>
+          <a:off x="0" y="0"/>
+          <a:ext cx="0" cy="0"/>
+          <a:chOff x="0" y="0"/>
+          <a:chExt cx="0" cy="0"/>
+        </a:xfrm>
+      </p:grpSpPr>
       <p:sp>
         <p:nvSpPr>
           <p:cNvPr id="2" name="Title 1"/>
@@ -3292,7 +3554,7 @@
 </file>
 
 <file path=ppt/slides/slide2.xml><?xml version="1.0" encoding="utf-8"?>
-<p:sld xmlns:a="http://schemas.openxmlformats.org/drawingml/2006/main" xmlns:p="http://schemas.openxmlformats.org/presentationml/2006/main" xmlns:r="http://schemas.openxmlformats.org/officeDocument/2006/relationships">
+<p:sld xmlns:a="http://schemas.openxmlformats.org/drawingml/2006/main" xmlns:r="http://schemas.openxmlformats.org/officeDocument/2006/relationships" xmlns:p="http://schemas.openxmlformats.org/presentationml/2006/main">
   <p:cSld>
     <p:spTree>
       <p:nvGrpSpPr>
@@ -3300,7 +3562,14 @@
         <p:cNvGrpSpPr/>
         <p:nvPr/>
       </p:nvGrpSpPr>
-      <p:grpSpPr/>
+      <p:grpSpPr>
+        <a:xfrm>
+          <a:off x="0" y="0"/>
+          <a:ext cx="0" cy="0"/>
+          <a:chOff x="0" y="0"/>
+          <a:chExt cx="0" cy="0"/>
+        </a:xfrm>
+      </p:grpSpPr>
       <p:sp>
         <p:nvSpPr>
           <p:cNvPr id="2" name="Title 1"/>
@@ -3357,7 +3626,7 @@
 </file>
 
 <file path=ppt/slides/slide3.xml><?xml version="1.0" encoding="utf-8"?>
-<p:sld xmlns:a="http://schemas.openxmlformats.org/drawingml/2006/main" xmlns:p="http://schemas.openxmlformats.org/presentationml/2006/main" xmlns:r="http://schemas.openxmlformats.org/officeDocument/2006/relationships">
+<p:sld xmlns:a="http://schemas.openxmlformats.org/drawingml/2006/main" xmlns:r="http://schemas.openxmlformats.org/officeDocument/2006/relationships" xmlns:p="http://schemas.openxmlformats.org/presentationml/2006/main">
   <p:cSld>
     <p:spTree>
       <p:nvGrpSpPr>
@@ -3365,7 +3634,14 @@
         <p:cNvGrpSpPr/>
         <p:nvPr/>
       </p:nvGrpSpPr>
-      <p:grpSpPr/>
+      <p:grpSpPr>
+        <a:xfrm>
+          <a:off x="0" y="0"/>
+          <a:ext cx="0" cy="0"/>
+          <a:chOff x="0" y="0"/>
+          <a:chExt cx="0" cy="0"/>
+        </a:xfrm>
+      </p:grpSpPr>
       <p:sp>
         <p:nvSpPr>
           <p:cNvPr id="2" name="Title 1"/>
@@ -3399,32 +3675,73 @@
         </p:nvSpPr>
         <p:spPr/>
         <p:txBody>
-          <a:bodyPr/>
-          <a:lstStyle/>
-          <a:p>
-            <a:r>
+          <a:bodyPr>
+            <a:normAutofit/>
+          </a:bodyPr>
+          <a:lstStyle/>
+          <a:p>
+            <a:r>
+              <a:rPr dirty="0"/>
               <a:t>Dataset: Stock data with columns for high, low, close prices.</a:t>
             </a:r>
           </a:p>
           <a:p>
             <a:r>
+              <a:rPr dirty="0"/>
               <a:t>Data Preparation Steps:</a:t>
             </a:r>
-          </a:p>
-          <a:p>
-            <a:r>
+            <a:endParaRPr lang="en-US" dirty="0"/>
+          </a:p>
+          <a:p>
+            <a:r>
+              <a:rPr lang="en-US" dirty="0"/>
+              <a:t> - Combine all stock data CSV’s into one csv</a:t>
+            </a:r>
+            <a:endParaRPr dirty="0"/>
+          </a:p>
+          <a:p>
+            <a:r>
+              <a:rPr dirty="0"/>
               <a:t>  - Handle missing values</a:t>
             </a:r>
           </a:p>
           <a:p>
             <a:r>
-              <a:t>  - Apply transformations as needed</a:t>
-            </a:r>
-          </a:p>
-          <a:p>
-            <a:r>
-              <a:t>Data stored in 'apple_df' DataFrame.</a:t>
-            </a:r>
+              <a:rPr dirty="0"/>
+              <a:t>  - </a:t>
+            </a:r>
+            <a:r>
+              <a:rPr lang="en-US" dirty="0"/>
+              <a:t>Scaled data</a:t>
+            </a:r>
+            <a:endParaRPr dirty="0"/>
+          </a:p>
+          <a:p>
+            <a:r>
+              <a:rPr lang="en-US" dirty="0"/>
+              <a:t>Stored each stocks d</a:t>
+            </a:r>
+            <a:r>
+              <a:rPr dirty="0"/>
+              <a:t>ata stored in</a:t>
+            </a:r>
+            <a:r>
+              <a:rPr lang="en-US" dirty="0"/>
+              <a:t> its own</a:t>
+            </a:r>
+            <a:r>
+              <a:rPr dirty="0"/>
+              <a:t> </a:t>
+            </a:r>
+            <a:r>
+              <a:rPr lang="en-US" dirty="0" err="1"/>
+              <a:t>d</a:t>
+            </a:r>
+            <a:r>
+              <a:rPr dirty="0" err="1"/>
+              <a:t>ataFrame</a:t>
+            </a:r>
+            <a:endParaRPr dirty="0"/>
           </a:p>
         </p:txBody>
       </p:sp>
@@ -3437,7 +3754,7 @@
 </file>
 
 <file path=ppt/slides/slide4.xml><?xml version="1.0" encoding="utf-8"?>
-<p:sld xmlns:a="http://schemas.openxmlformats.org/drawingml/2006/main" xmlns:p="http://schemas.openxmlformats.org/presentationml/2006/main" xmlns:r="http://schemas.openxmlformats.org/officeDocument/2006/relationships">
+<p:sld xmlns:a="http://schemas.openxmlformats.org/drawingml/2006/main" xmlns:r="http://schemas.openxmlformats.org/officeDocument/2006/relationships" xmlns:p="http://schemas.openxmlformats.org/presentationml/2006/main">
   <p:cSld>
     <p:spTree>
       <p:nvGrpSpPr>
@@ -3445,7 +3762,14 @@
         <p:cNvGrpSpPr/>
         <p:nvPr/>
       </p:nvGrpSpPr>
-      <p:grpSpPr/>
+      <p:grpSpPr>
+        <a:xfrm>
+          <a:off x="0" y="0"/>
+          <a:ext cx="0" cy="0"/>
+          <a:chOff x="0" y="0"/>
+          <a:chExt cx="0" cy="0"/>
+        </a:xfrm>
+      </p:grpSpPr>
       <p:sp>
         <p:nvSpPr>
           <p:cNvPr id="2" name="Title 1"/>
@@ -3462,6 +3786,7 @@
           <a:lstStyle/>
           <a:p>
             <a:r>
+              <a:rPr dirty="0"/>
               <a:t>Feature Engineering</a:t>
             </a:r>
           </a:p>
@@ -3477,42 +3802,56 @@
             <p:ph idx="1"/>
           </p:nvPr>
         </p:nvSpPr>
-        <p:spPr/>
-        <p:txBody>
-          <a:bodyPr/>
-          <a:lstStyle/>
-          <a:p>
-            <a:r>
+        <p:spPr>
+          <a:xfrm>
+            <a:off x="457200" y="1179576"/>
+            <a:ext cx="8229600" cy="5403786"/>
+          </a:xfrm>
+        </p:spPr>
+        <p:txBody>
+          <a:bodyPr>
+            <a:noAutofit/>
+          </a:bodyPr>
+          <a:lstStyle/>
+          <a:p>
+            <a:r>
+              <a:rPr sz="2800" dirty="0"/>
               <a:t>Calculated Technical Indicators:</a:t>
             </a:r>
           </a:p>
           <a:p>
             <a:r>
+              <a:rPr sz="2800" dirty="0"/>
               <a:t>  - RSI (Relative Strength Index): Measures momentum</a:t>
             </a:r>
           </a:p>
           <a:p>
             <a:r>
+              <a:rPr sz="2800" dirty="0"/>
               <a:t>  - PPO (Percentage Price Oscillator): Tracks momentum</a:t>
             </a:r>
           </a:p>
           <a:p>
             <a:r>
+              <a:rPr sz="2800" dirty="0"/>
               <a:t>  - ROC (Rate of Change): Indicates price trend shifts</a:t>
             </a:r>
           </a:p>
           <a:p>
             <a:r>
+              <a:rPr sz="2800" dirty="0"/>
               <a:t>  - Williams %R: Identifies overbought/oversold conditions</a:t>
             </a:r>
           </a:p>
           <a:p>
             <a:r>
+              <a:rPr sz="2800" dirty="0"/>
               <a:t>  - Stochastic Oscillator (%K and %D): Tracks price positions</a:t>
             </a:r>
           </a:p>
           <a:p>
             <a:r>
+              <a:rPr sz="2800" dirty="0"/>
               <a:t>  - ATR (Average True Range): Measures volatility</a:t>
             </a:r>
           </a:p>
@@ -3527,7 +3866,7 @@
 </file>
 
 <file path=ppt/slides/slide5.xml><?xml version="1.0" encoding="utf-8"?>
-<p:sld xmlns:a="http://schemas.openxmlformats.org/drawingml/2006/main" xmlns:p="http://schemas.openxmlformats.org/presentationml/2006/main" xmlns:r="http://schemas.openxmlformats.org/officeDocument/2006/relationships">
+<p:sld xmlns:a="http://schemas.openxmlformats.org/drawingml/2006/main" xmlns:r="http://schemas.openxmlformats.org/officeDocument/2006/relationships" xmlns:p="http://schemas.openxmlformats.org/presentationml/2006/main">
   <p:cSld>
     <p:spTree>
       <p:nvGrpSpPr>
@@ -3535,10 +3874,23 @@
         <p:cNvGrpSpPr/>
         <p:nvPr/>
       </p:nvGrpSpPr>
-      <p:grpSpPr/>
-      <p:sp>
-        <p:nvSpPr>
-          <p:cNvPr id="2" name="Title 1"/>
+      <p:grpSpPr>
+        <a:xfrm>
+          <a:off x="0" y="0"/>
+          <a:ext cx="0" cy="0"/>
+          <a:chOff x="0" y="0"/>
+          <a:chExt cx="0" cy="0"/>
+        </a:xfrm>
+      </p:grpSpPr>
+      <p:sp>
+        <p:nvSpPr>
+          <p:cNvPr id="2" name="Title 1">
+            <a:extLst>
+              <a:ext uri="{FF2B5EF4-FFF2-40B4-BE49-F238E27FC236}">
+                <a16:creationId xmlns:a16="http://schemas.microsoft.com/office/drawing/2014/main" id="{825F8CF7-3209-8F6F-152C-59ACC62FFDC9}"/>
+              </a:ext>
+            </a:extLst>
+          </p:cNvPr>
           <p:cNvSpPr>
             <a:spLocks noGrp="1"/>
           </p:cNvSpPr>
@@ -3552,48 +3904,47 @@
           <a:lstStyle/>
           <a:p>
             <a:r>
-              <a:t>Machine Learning Models</a:t>
-            </a:r>
-          </a:p>
-        </p:txBody>
-      </p:sp>
-      <p:sp>
-        <p:nvSpPr>
-          <p:cNvPr id="3" name="Content Placeholder 2"/>
-          <p:cNvSpPr>
-            <a:spLocks noGrp="1"/>
-          </p:cNvSpPr>
+              <a:rPr lang="en-US" dirty="0"/>
+              <a:t>Correlation</a:t>
+            </a:r>
+          </a:p>
+        </p:txBody>
+      </p:sp>
+      <p:pic>
+        <p:nvPicPr>
+          <p:cNvPr id="5" name="Content Placeholder 4">
+            <a:extLst>
+              <a:ext uri="{FF2B5EF4-FFF2-40B4-BE49-F238E27FC236}">
+                <a16:creationId xmlns:a16="http://schemas.microsoft.com/office/drawing/2014/main" id="{8DEE5B49-8F86-A005-8D23-18BCE564796A}"/>
+              </a:ext>
+            </a:extLst>
+          </p:cNvPr>
+          <p:cNvPicPr>
+            <a:picLocks noGrp="1" noChangeAspect="1"/>
+          </p:cNvPicPr>
           <p:nvPr>
             <p:ph idx="1"/>
           </p:nvPr>
-        </p:nvSpPr>
-        <p:spPr/>
-        <p:txBody>
-          <a:bodyPr/>
-          <a:lstStyle/>
-          <a:p>
-            <a:r>
-              <a:t>Models Developed:</a:t>
-            </a:r>
-          </a:p>
-          <a:p>
-            <a:r>
-              <a:t>  - Logistic Regression and Random Forest (optional comparison)</a:t>
-            </a:r>
-          </a:p>
-          <a:p>
-            <a:r>
-              <a:t>  - Neural Network in Keras</a:t>
-            </a:r>
-          </a:p>
-          <a:p>
-            <a:r>
-              <a:t>  - Neural Network in PyTorch</a:t>
-            </a:r>
-          </a:p>
-        </p:txBody>
-      </p:sp>
+        </p:nvPicPr>
+        <p:blipFill>
+          <a:blip r:embed="rId2"/>
+          <a:stretch>
+            <a:fillRect/>
+          </a:stretch>
+        </p:blipFill>
+        <p:spPr>
+          <a:xfrm>
+            <a:off x="1026548" y="1417638"/>
+            <a:ext cx="6431527" cy="4436268"/>
+          </a:xfrm>
+        </p:spPr>
+      </p:pic>
     </p:spTree>
+    <p:extLst>
+      <p:ext uri="{BB962C8B-B14F-4D97-AF65-F5344CB8AC3E}">
+        <p14:creationId xmlns:p14="http://schemas.microsoft.com/office/powerpoint/2010/main" val="4088959568"/>
+      </p:ext>
+    </p:extLst>
   </p:cSld>
   <p:clrMapOvr>
     <a:masterClrMapping/>
@@ -3602,7 +3953,7 @@
 </file>
 
 <file path=ppt/slides/slide6.xml><?xml version="1.0" encoding="utf-8"?>
-<p:sld xmlns:a="http://schemas.openxmlformats.org/drawingml/2006/main" xmlns:p="http://schemas.openxmlformats.org/presentationml/2006/main" xmlns:r="http://schemas.openxmlformats.org/officeDocument/2006/relationships">
+<p:sld xmlns:a="http://schemas.openxmlformats.org/drawingml/2006/main" xmlns:r="http://schemas.openxmlformats.org/officeDocument/2006/relationships" xmlns:p="http://schemas.openxmlformats.org/presentationml/2006/main">
   <p:cSld>
     <p:spTree>
       <p:nvGrpSpPr>
@@ -3610,7 +3961,14 @@
         <p:cNvGrpSpPr/>
         <p:nvPr/>
       </p:nvGrpSpPr>
-      <p:grpSpPr/>
+      <p:grpSpPr>
+        <a:xfrm>
+          <a:off x="0" y="0"/>
+          <a:ext cx="0" cy="0"/>
+          <a:chOff x="0" y="0"/>
+          <a:chExt cx="0" cy="0"/>
+        </a:xfrm>
+      </p:grpSpPr>
       <p:sp>
         <p:nvSpPr>
           <p:cNvPr id="2" name="Title 1"/>
@@ -3627,7 +3985,7 @@
           <a:lstStyle/>
           <a:p>
             <a:r>
-              <a:t>Building a Neural Network (Keras)</a:t>
+              <a:t>Machine Learning Models</a:t>
             </a:r>
           </a:p>
         </p:txBody>
@@ -3648,28 +4006,39 @@
           <a:lstStyle/>
           <a:p>
             <a:r>
-              <a:t>Keras Sequential Model Structure:</a:t>
-            </a:r>
-          </a:p>
-          <a:p>
-            <a:r>
-              <a:t>  - Input layer (nodes = number of features)</a:t>
-            </a:r>
-          </a:p>
-          <a:p>
-            <a:r>
-              <a:t>  - Two hidden layers (12 and 6 nodes with sigmoid activation)</a:t>
-            </a:r>
-          </a:p>
-          <a:p>
-            <a:r>
-              <a:t>  - Output layer (1 node with sigmoid for binary classification)</a:t>
-            </a:r>
-          </a:p>
-          <a:p>
-            <a:r>
-              <a:t>Training: 25 epochs, accuracy evaluation on test data</a:t>
-            </a:r>
+              <a:rPr dirty="0"/>
+              <a:t>Models Developed:</a:t>
+            </a:r>
+          </a:p>
+          <a:p>
+            <a:r>
+              <a:rPr dirty="0"/>
+              <a:t> </a:t>
+            </a:r>
+            <a:r>
+              <a:rPr lang="en-US" dirty="0"/>
+              <a:t> </a:t>
+            </a:r>
+            <a:r>
+              <a:rPr dirty="0"/>
+              <a:t>-Neural Network in </a:t>
+            </a:r>
+            <a:r>
+              <a:rPr dirty="0" err="1"/>
+              <a:t>Keras</a:t>
+            </a:r>
+            <a:endParaRPr dirty="0"/>
+          </a:p>
+          <a:p>
+            <a:r>
+              <a:rPr dirty="0"/>
+              <a:t>  - Neural Network in </a:t>
+            </a:r>
+            <a:r>
+              <a:rPr dirty="0" err="1"/>
+              <a:t>PyTorch</a:t>
+            </a:r>
+            <a:endParaRPr dirty="0"/>
           </a:p>
         </p:txBody>
       </p:sp>
@@ -3682,7 +4051,7 @@
 </file>
 
 <file path=ppt/slides/slide7.xml><?xml version="1.0" encoding="utf-8"?>
-<p:sld xmlns:a="http://schemas.openxmlformats.org/drawingml/2006/main" xmlns:p="http://schemas.openxmlformats.org/presentationml/2006/main" xmlns:r="http://schemas.openxmlformats.org/officeDocument/2006/relationships">
+<p:sld xmlns:a="http://schemas.openxmlformats.org/drawingml/2006/main" xmlns:r="http://schemas.openxmlformats.org/officeDocument/2006/relationships" xmlns:p="http://schemas.openxmlformats.org/presentationml/2006/main">
   <p:cSld>
     <p:spTree>
       <p:nvGrpSpPr>
@@ -3690,7 +4059,14 @@
         <p:cNvGrpSpPr/>
         <p:nvPr/>
       </p:nvGrpSpPr>
-      <p:grpSpPr/>
+      <p:grpSpPr>
+        <a:xfrm>
+          <a:off x="0" y="0"/>
+          <a:ext cx="0" cy="0"/>
+          <a:chOff x="0" y="0"/>
+          <a:chExt cx="0" cy="0"/>
+        </a:xfrm>
+      </p:grpSpPr>
       <p:sp>
         <p:nvSpPr>
           <p:cNvPr id="2" name="Title 1"/>
@@ -3707,7 +4083,7 @@
           <a:lstStyle/>
           <a:p>
             <a:r>
-              <a:t>Building a Neural Network (PyTorch)</a:t>
+              <a:t>Building a Neural Network (Keras)</a:t>
             </a:r>
           </a:p>
         </p:txBody>
@@ -3728,27 +4104,36 @@
           <a:lstStyle/>
           <a:p>
             <a:r>
-              <a:t>Using PyTorch for model flexibility:</a:t>
-            </a:r>
-          </a:p>
-          <a:p>
-            <a:r>
-              <a:t>  - Custom dataset class and DataLoader for batch processing</a:t>
-            </a:r>
-          </a:p>
-          <a:p>
-            <a:r>
-              <a:t>Model Structure:</a:t>
-            </a:r>
-          </a:p>
-          <a:p>
-            <a:r>
-              <a:t>  - Input layer, hidden layer (64 nodes, ReLU), output layer (1 node, Sigmoid)</a:t>
-            </a:r>
-          </a:p>
-          <a:p>
-            <a:r>
-              <a:t>  - Binary Cross-Entropy Loss and Adam Optimizer</a:t>
+              <a:rPr dirty="0" err="1"/>
+              <a:t>Keras</a:t>
+            </a:r>
+            <a:r>
+              <a:rPr dirty="0"/>
+              <a:t> Sequential Model Structure:</a:t>
+            </a:r>
+          </a:p>
+          <a:p>
+            <a:r>
+              <a:rPr dirty="0"/>
+              <a:t>  - Input layer (nodes = number of features)</a:t>
+            </a:r>
+          </a:p>
+          <a:p>
+            <a:r>
+              <a:rPr dirty="0"/>
+              <a:t>  - Two hidden layers (12 and 6 nodes with sigmoid activation)</a:t>
+            </a:r>
+          </a:p>
+          <a:p>
+            <a:r>
+              <a:rPr dirty="0"/>
+              <a:t>  - Output layer (1 node with sigmoid for binary classification)</a:t>
+            </a:r>
+          </a:p>
+          <a:p>
+            <a:r>
+              <a:rPr dirty="0"/>
+              <a:t>Training: 25 epochs, accuracy evaluation on test data</a:t>
             </a:r>
           </a:p>
         </p:txBody>
@@ -3762,7 +4147,7 @@
 </file>
 
 <file path=ppt/slides/slide8.xml><?xml version="1.0" encoding="utf-8"?>
-<p:sld xmlns:a="http://schemas.openxmlformats.org/drawingml/2006/main" xmlns:p="http://schemas.openxmlformats.org/presentationml/2006/main" xmlns:r="http://schemas.openxmlformats.org/officeDocument/2006/relationships">
+<p:sld xmlns:a="http://schemas.openxmlformats.org/drawingml/2006/main" xmlns:r="http://schemas.openxmlformats.org/officeDocument/2006/relationships" xmlns:p="http://schemas.openxmlformats.org/presentationml/2006/main">
   <p:cSld>
     <p:spTree>
       <p:nvGrpSpPr>
@@ -3770,10 +4155,23 @@
         <p:cNvGrpSpPr/>
         <p:nvPr/>
       </p:nvGrpSpPr>
-      <p:grpSpPr/>
-      <p:sp>
-        <p:nvSpPr>
-          <p:cNvPr id="2" name="Title 1"/>
+      <p:grpSpPr>
+        <a:xfrm>
+          <a:off x="0" y="0"/>
+          <a:ext cx="0" cy="0"/>
+          <a:chOff x="0" y="0"/>
+          <a:chExt cx="0" cy="0"/>
+        </a:xfrm>
+      </p:grpSpPr>
+      <p:sp>
+        <p:nvSpPr>
+          <p:cNvPr id="2" name="Title 1">
+            <a:extLst>
+              <a:ext uri="{FF2B5EF4-FFF2-40B4-BE49-F238E27FC236}">
+                <a16:creationId xmlns:a16="http://schemas.microsoft.com/office/drawing/2014/main" id="{B139AE40-B249-56FC-33F3-E9B9B13B624A}"/>
+              </a:ext>
+            </a:extLst>
+          </p:cNvPr>
           <p:cNvSpPr>
             <a:spLocks noGrp="1"/>
           </p:cNvSpPr>
@@ -3783,52 +4181,53 @@
         </p:nvSpPr>
         <p:spPr/>
         <p:txBody>
-          <a:bodyPr/>
-          <a:lstStyle/>
-          <a:p>
-            <a:r>
-              <a:t>Training and Evaluation (PyTorch)</a:t>
-            </a:r>
-          </a:p>
-        </p:txBody>
-      </p:sp>
-      <p:sp>
-        <p:nvSpPr>
-          <p:cNvPr id="3" name="Content Placeholder 2"/>
-          <p:cNvSpPr>
-            <a:spLocks noGrp="1"/>
-          </p:cNvSpPr>
+          <a:bodyPr>
+            <a:normAutofit fontScale="90000"/>
+          </a:bodyPr>
+          <a:lstStyle/>
+          <a:p>
+            <a:r>
+              <a:rPr lang="en-US" dirty="0"/>
+              <a:t>Number of epochs and accuracy score</a:t>
+            </a:r>
+          </a:p>
+        </p:txBody>
+      </p:sp>
+      <p:pic>
+        <p:nvPicPr>
+          <p:cNvPr id="5" name="Content Placeholder 4">
+            <a:extLst>
+              <a:ext uri="{FF2B5EF4-FFF2-40B4-BE49-F238E27FC236}">
+                <a16:creationId xmlns:a16="http://schemas.microsoft.com/office/drawing/2014/main" id="{8DD11185-1F0C-5622-4C59-21D41B811DE1}"/>
+              </a:ext>
+            </a:extLst>
+          </p:cNvPr>
+          <p:cNvPicPr>
+            <a:picLocks noGrp="1" noChangeAspect="1"/>
+          </p:cNvPicPr>
           <p:nvPr>
             <p:ph idx="1"/>
           </p:nvPr>
-        </p:nvSpPr>
-        <p:spPr/>
-        <p:txBody>
-          <a:bodyPr/>
-          <a:lstStyle/>
-          <a:p>
-            <a:r>
-              <a:t>Training Process:</a:t>
-            </a:r>
-          </a:p>
-          <a:p>
-            <a:r>
-              <a:t>  - 50 epochs with batch training</a:t>
-            </a:r>
-          </a:p>
-          <a:p>
-            <a:r>
-              <a:t>  - Loss calculation over each epoch</a:t>
-            </a:r>
-          </a:p>
-          <a:p>
-            <a:r>
-              <a:t>Accuracy achieved on test data: 82%</a:t>
-            </a:r>
-          </a:p>
-        </p:txBody>
-      </p:sp>
+        </p:nvPicPr>
+        <p:blipFill>
+          <a:blip r:embed="rId2"/>
+          <a:stretch>
+            <a:fillRect/>
+          </a:stretch>
+        </p:blipFill>
+        <p:spPr>
+          <a:xfrm>
+            <a:off x="987553" y="1417638"/>
+            <a:ext cx="6261346" cy="4556745"/>
+          </a:xfrm>
+        </p:spPr>
+      </p:pic>
     </p:spTree>
+    <p:extLst>
+      <p:ext uri="{BB962C8B-B14F-4D97-AF65-F5344CB8AC3E}">
+        <p14:creationId xmlns:p14="http://schemas.microsoft.com/office/powerpoint/2010/main" val="194614450"/>
+      </p:ext>
+    </p:extLst>
   </p:cSld>
   <p:clrMapOvr>
     <a:masterClrMapping/>
@@ -3837,7 +4236,7 @@
 </file>
 
 <file path=ppt/slides/slide9.xml><?xml version="1.0" encoding="utf-8"?>
-<p:sld xmlns:a="http://schemas.openxmlformats.org/drawingml/2006/main" xmlns:p="http://schemas.openxmlformats.org/presentationml/2006/main" xmlns:r="http://schemas.openxmlformats.org/officeDocument/2006/relationships">
+<p:sld xmlns:a="http://schemas.openxmlformats.org/drawingml/2006/main" xmlns:r="http://schemas.openxmlformats.org/officeDocument/2006/relationships" xmlns:p="http://schemas.openxmlformats.org/presentationml/2006/main">
   <p:cSld>
     <p:spTree>
       <p:nvGrpSpPr>
@@ -3845,7 +4244,14 @@
         <p:cNvGrpSpPr/>
         <p:nvPr/>
       </p:nvGrpSpPr>
-      <p:grpSpPr/>
+      <p:grpSpPr>
+        <a:xfrm>
+          <a:off x="0" y="0"/>
+          <a:ext cx="0" cy="0"/>
+          <a:chOff x="0" y="0"/>
+          <a:chExt cx="0" cy="0"/>
+        </a:xfrm>
+      </p:grpSpPr>
       <p:sp>
         <p:nvSpPr>
           <p:cNvPr id="2" name="Title 1"/>
@@ -3862,7 +4268,7 @@
           <a:lstStyle/>
           <a:p>
             <a:r>
-              <a:t>Results and Comparison</a:t>
+              <a:t>Building a Neural Network (PyTorch)</a:t>
             </a:r>
           </a:p>
         </p:txBody>
@@ -3883,27 +4289,56 @@
           <a:lstStyle/>
           <a:p>
             <a:r>
-              <a:t>Comparison of Model Performance:</a:t>
-            </a:r>
-          </a:p>
-          <a:p>
-            <a:r>
-              <a:t>  - Keras Model Accuracy: ~83%</a:t>
-            </a:r>
-          </a:p>
-          <a:p>
-            <a:r>
-              <a:t>  - PyTorch Model Accuracy: ~82%</a:t>
-            </a:r>
-          </a:p>
-          <a:p>
-            <a:r>
-              <a:t>Observations:</a:t>
-            </a:r>
-          </a:p>
-          <a:p>
-            <a:r>
-              <a:t>  - Both models performed comparably; additional tuning may improve results.</a:t>
+              <a:rPr dirty="0"/>
+              <a:t>Using </a:t>
+            </a:r>
+            <a:r>
+              <a:rPr dirty="0" err="1"/>
+              <a:t>PyTorch</a:t>
+            </a:r>
+            <a:r>
+              <a:rPr dirty="0"/>
+              <a:t> for model flexibility:</a:t>
+            </a:r>
+          </a:p>
+          <a:p>
+            <a:r>
+              <a:rPr dirty="0"/>
+              <a:t>  - Custom dataset class and </a:t>
+            </a:r>
+            <a:r>
+              <a:rPr dirty="0" err="1"/>
+              <a:t>DataLoader</a:t>
+            </a:r>
+            <a:r>
+              <a:rPr dirty="0"/>
+              <a:t> for batch processing</a:t>
+            </a:r>
+          </a:p>
+          <a:p>
+            <a:r>
+              <a:rPr dirty="0"/>
+              <a:t>Model Structure:</a:t>
+            </a:r>
+          </a:p>
+          <a:p>
+            <a:r>
+              <a:rPr dirty="0"/>
+              <a:t>  - Input layer, hidden layer (64 nodes, </a:t>
+            </a:r>
+            <a:r>
+              <a:rPr dirty="0" err="1"/>
+              <a:t>ReLU</a:t>
+            </a:r>
+            <a:r>
+              <a:rPr dirty="0"/>
+              <a:t>), output layer (1 node, Sigmoid)</a:t>
+            </a:r>
+          </a:p>
+          <a:p>
+            <a:r>
+              <a:rPr dirty="0"/>
+              <a:t>  - Binary Cross-Entropy Loss and Adam Optimizer</a:t>
             </a:r>
           </a:p>
         </p:txBody>
